--- a/cit2024/cops.pptx
+++ b/cit2024/cops.pptx
@@ -217,7 +217,7 @@
           <a:p>
             <a:fld id="{61B5B643-DFE5-4797-A400-9D2A08F4639C}" type="datetimeFigureOut">
               <a:rPr lang="zh-CN" altLang="en-US" smtClean="0"/>
-              <a:t>2024/11/16</a:t>
+              <a:t>2024/11/17</a:t>
             </a:fld>
             <a:endParaRPr lang="zh-CN" altLang="en-US"/>
           </a:p>
@@ -631,7 +631,7 @@
           <a:p>
             <a:fld id="{0A6FCFF6-0337-435B-B74E-A7D1464F053C}" type="datetimeFigureOut">
               <a:rPr lang="zh-CN" altLang="en-US" smtClean="0"/>
-              <a:t>2024/11/16</a:t>
+              <a:t>2024/11/17</a:t>
             </a:fld>
             <a:endParaRPr lang="zh-CN" altLang="en-US"/>
           </a:p>
@@ -829,7 +829,7 @@
           <a:p>
             <a:fld id="{0A6FCFF6-0337-435B-B74E-A7D1464F053C}" type="datetimeFigureOut">
               <a:rPr lang="zh-CN" altLang="en-US" smtClean="0"/>
-              <a:t>2024/11/16</a:t>
+              <a:t>2024/11/17</a:t>
             </a:fld>
             <a:endParaRPr lang="zh-CN" altLang="en-US"/>
           </a:p>
@@ -1037,7 +1037,7 @@
           <a:p>
             <a:fld id="{0A6FCFF6-0337-435B-B74E-A7D1464F053C}" type="datetimeFigureOut">
               <a:rPr lang="zh-CN" altLang="en-US" smtClean="0"/>
-              <a:t>2024/11/16</a:t>
+              <a:t>2024/11/17</a:t>
             </a:fld>
             <a:endParaRPr lang="zh-CN" altLang="en-US"/>
           </a:p>
@@ -1235,7 +1235,7 @@
           <a:p>
             <a:fld id="{0A6FCFF6-0337-435B-B74E-A7D1464F053C}" type="datetimeFigureOut">
               <a:rPr lang="zh-CN" altLang="en-US" smtClean="0"/>
-              <a:t>2024/11/16</a:t>
+              <a:t>2024/11/17</a:t>
             </a:fld>
             <a:endParaRPr lang="zh-CN" altLang="en-US"/>
           </a:p>
@@ -1510,7 +1510,7 @@
           <a:p>
             <a:fld id="{0A6FCFF6-0337-435B-B74E-A7D1464F053C}" type="datetimeFigureOut">
               <a:rPr lang="zh-CN" altLang="en-US" smtClean="0"/>
-              <a:t>2024/11/16</a:t>
+              <a:t>2024/11/17</a:t>
             </a:fld>
             <a:endParaRPr lang="zh-CN" altLang="en-US"/>
           </a:p>
@@ -1775,7 +1775,7 @@
           <a:p>
             <a:fld id="{0A6FCFF6-0337-435B-B74E-A7D1464F053C}" type="datetimeFigureOut">
               <a:rPr lang="zh-CN" altLang="en-US" smtClean="0"/>
-              <a:t>2024/11/16</a:t>
+              <a:t>2024/11/17</a:t>
             </a:fld>
             <a:endParaRPr lang="zh-CN" altLang="en-US"/>
           </a:p>
@@ -2187,7 +2187,7 @@
           <a:p>
             <a:fld id="{0A6FCFF6-0337-435B-B74E-A7D1464F053C}" type="datetimeFigureOut">
               <a:rPr lang="zh-CN" altLang="en-US" smtClean="0"/>
-              <a:t>2024/11/16</a:t>
+              <a:t>2024/11/17</a:t>
             </a:fld>
             <a:endParaRPr lang="zh-CN" altLang="en-US"/>
           </a:p>
@@ -2328,7 +2328,7 @@
           <a:p>
             <a:fld id="{0A6FCFF6-0337-435B-B74E-A7D1464F053C}" type="datetimeFigureOut">
               <a:rPr lang="zh-CN" altLang="en-US" smtClean="0"/>
-              <a:t>2024/11/16</a:t>
+              <a:t>2024/11/17</a:t>
             </a:fld>
             <a:endParaRPr lang="zh-CN" altLang="en-US"/>
           </a:p>
@@ -2441,7 +2441,7 @@
           <a:p>
             <a:fld id="{0A6FCFF6-0337-435B-B74E-A7D1464F053C}" type="datetimeFigureOut">
               <a:rPr lang="zh-CN" altLang="en-US" smtClean="0"/>
-              <a:t>2024/11/16</a:t>
+              <a:t>2024/11/17</a:t>
             </a:fld>
             <a:endParaRPr lang="zh-CN" altLang="en-US"/>
           </a:p>
@@ -2752,7 +2752,7 @@
           <a:p>
             <a:fld id="{0A6FCFF6-0337-435B-B74E-A7D1464F053C}" type="datetimeFigureOut">
               <a:rPr lang="zh-CN" altLang="en-US" smtClean="0"/>
-              <a:t>2024/11/16</a:t>
+              <a:t>2024/11/17</a:t>
             </a:fld>
             <a:endParaRPr lang="zh-CN" altLang="en-US"/>
           </a:p>
@@ -3040,7 +3040,7 @@
           <a:p>
             <a:fld id="{0A6FCFF6-0337-435B-B74E-A7D1464F053C}" type="datetimeFigureOut">
               <a:rPr lang="zh-CN" altLang="en-US" smtClean="0"/>
-              <a:t>2024/11/16</a:t>
+              <a:t>2024/11/17</a:t>
             </a:fld>
             <a:endParaRPr lang="zh-CN" altLang="en-US"/>
           </a:p>
@@ -3281,7 +3281,7 @@
           <a:p>
             <a:fld id="{0A6FCFF6-0337-435B-B74E-A7D1464F053C}" type="datetimeFigureOut">
               <a:rPr lang="zh-CN" altLang="en-US" smtClean="0"/>
-              <a:t>2024/11/16</a:t>
+              <a:t>2024/11/17</a:t>
             </a:fld>
             <a:endParaRPr lang="zh-CN" altLang="en-US"/>
           </a:p>
@@ -10660,16 +10660,16 @@
                 </a:solidFill>
                 <a:latin typeface="PingFang SC"/>
               </a:rPr>
-              <a:t>Language facilities make </a:t>
-            </a:r>
-            <a:r>
-              <a:rPr lang="en-US" altLang="zh-CN" b="1" dirty="0" err="1">
-                <a:solidFill>
-                  <a:srgbClr val="4F4F4F"/>
-                </a:solidFill>
-                <a:latin typeface="PingFang SC"/>
-              </a:rPr>
-              <a:t>pragram</a:t>
+              <a:t>Language facilities </a:t>
+            </a:r>
+            <a:r>
+              <a:rPr lang="en-US" altLang="zh-CN" b="1">
+                <a:solidFill>
+                  <a:srgbClr val="4F4F4F"/>
+                </a:solidFill>
+                <a:latin typeface="PingFang SC"/>
+              </a:rPr>
+              <a:t>make programming </a:t>
             </a:r>
             <a:r>
               <a:rPr lang="en-US" altLang="zh-CN" b="1" dirty="0">
@@ -10678,7 +10678,7 @@
                 </a:solidFill>
                 <a:latin typeface="PingFang SC"/>
               </a:rPr>
-              <a:t> easy.</a:t>
+              <a:t>easy.</a:t>
             </a:r>
             <a:endParaRPr lang="en-US" altLang="zh-CN" b="1" dirty="0"/>
           </a:p>

--- a/cit2024/cops.pptx
+++ b/cit2024/cops.pptx
@@ -217,7 +217,7 @@
           <a:p>
             <a:fld id="{61B5B643-DFE5-4797-A400-9D2A08F4639C}" type="datetimeFigureOut">
               <a:rPr lang="zh-CN" altLang="en-US" smtClean="0"/>
-              <a:t>2024/11/17</a:t>
+              <a:t>2024/11/22</a:t>
             </a:fld>
             <a:endParaRPr lang="zh-CN" altLang="en-US"/>
           </a:p>
@@ -631,7 +631,7 @@
           <a:p>
             <a:fld id="{0A6FCFF6-0337-435B-B74E-A7D1464F053C}" type="datetimeFigureOut">
               <a:rPr lang="zh-CN" altLang="en-US" smtClean="0"/>
-              <a:t>2024/11/17</a:t>
+              <a:t>2024/11/22</a:t>
             </a:fld>
             <a:endParaRPr lang="zh-CN" altLang="en-US"/>
           </a:p>
@@ -829,7 +829,7 @@
           <a:p>
             <a:fld id="{0A6FCFF6-0337-435B-B74E-A7D1464F053C}" type="datetimeFigureOut">
               <a:rPr lang="zh-CN" altLang="en-US" smtClean="0"/>
-              <a:t>2024/11/17</a:t>
+              <a:t>2024/11/22</a:t>
             </a:fld>
             <a:endParaRPr lang="zh-CN" altLang="en-US"/>
           </a:p>
@@ -1037,7 +1037,7 @@
           <a:p>
             <a:fld id="{0A6FCFF6-0337-435B-B74E-A7D1464F053C}" type="datetimeFigureOut">
               <a:rPr lang="zh-CN" altLang="en-US" smtClean="0"/>
-              <a:t>2024/11/17</a:t>
+              <a:t>2024/11/22</a:t>
             </a:fld>
             <a:endParaRPr lang="zh-CN" altLang="en-US"/>
           </a:p>
@@ -1235,7 +1235,7 @@
           <a:p>
             <a:fld id="{0A6FCFF6-0337-435B-B74E-A7D1464F053C}" type="datetimeFigureOut">
               <a:rPr lang="zh-CN" altLang="en-US" smtClean="0"/>
-              <a:t>2024/11/17</a:t>
+              <a:t>2024/11/22</a:t>
             </a:fld>
             <a:endParaRPr lang="zh-CN" altLang="en-US"/>
           </a:p>
@@ -1510,7 +1510,7 @@
           <a:p>
             <a:fld id="{0A6FCFF6-0337-435B-B74E-A7D1464F053C}" type="datetimeFigureOut">
               <a:rPr lang="zh-CN" altLang="en-US" smtClean="0"/>
-              <a:t>2024/11/17</a:t>
+              <a:t>2024/11/22</a:t>
             </a:fld>
             <a:endParaRPr lang="zh-CN" altLang="en-US"/>
           </a:p>
@@ -1775,7 +1775,7 @@
           <a:p>
             <a:fld id="{0A6FCFF6-0337-435B-B74E-A7D1464F053C}" type="datetimeFigureOut">
               <a:rPr lang="zh-CN" altLang="en-US" smtClean="0"/>
-              <a:t>2024/11/17</a:t>
+              <a:t>2024/11/22</a:t>
             </a:fld>
             <a:endParaRPr lang="zh-CN" altLang="en-US"/>
           </a:p>
@@ -2187,7 +2187,7 @@
           <a:p>
             <a:fld id="{0A6FCFF6-0337-435B-B74E-A7D1464F053C}" type="datetimeFigureOut">
               <a:rPr lang="zh-CN" altLang="en-US" smtClean="0"/>
-              <a:t>2024/11/17</a:t>
+              <a:t>2024/11/22</a:t>
             </a:fld>
             <a:endParaRPr lang="zh-CN" altLang="en-US"/>
           </a:p>
@@ -2328,7 +2328,7 @@
           <a:p>
             <a:fld id="{0A6FCFF6-0337-435B-B74E-A7D1464F053C}" type="datetimeFigureOut">
               <a:rPr lang="zh-CN" altLang="en-US" smtClean="0"/>
-              <a:t>2024/11/17</a:t>
+              <a:t>2024/11/22</a:t>
             </a:fld>
             <a:endParaRPr lang="zh-CN" altLang="en-US"/>
           </a:p>
@@ -2441,7 +2441,7 @@
           <a:p>
             <a:fld id="{0A6FCFF6-0337-435B-B74E-A7D1464F053C}" type="datetimeFigureOut">
               <a:rPr lang="zh-CN" altLang="en-US" smtClean="0"/>
-              <a:t>2024/11/17</a:t>
+              <a:t>2024/11/22</a:t>
             </a:fld>
             <a:endParaRPr lang="zh-CN" altLang="en-US"/>
           </a:p>
@@ -2752,7 +2752,7 @@
           <a:p>
             <a:fld id="{0A6FCFF6-0337-435B-B74E-A7D1464F053C}" type="datetimeFigureOut">
               <a:rPr lang="zh-CN" altLang="en-US" smtClean="0"/>
-              <a:t>2024/11/17</a:t>
+              <a:t>2024/11/22</a:t>
             </a:fld>
             <a:endParaRPr lang="zh-CN" altLang="en-US"/>
           </a:p>
@@ -3040,7 +3040,7 @@
           <a:p>
             <a:fld id="{0A6FCFF6-0337-435B-B74E-A7D1464F053C}" type="datetimeFigureOut">
               <a:rPr lang="zh-CN" altLang="en-US" smtClean="0"/>
-              <a:t>2024/11/17</a:t>
+              <a:t>2024/11/22</a:t>
             </a:fld>
             <a:endParaRPr lang="zh-CN" altLang="en-US"/>
           </a:p>
@@ -3281,7 +3281,7 @@
           <a:p>
             <a:fld id="{0A6FCFF6-0337-435B-B74E-A7D1464F053C}" type="datetimeFigureOut">
               <a:rPr lang="zh-CN" altLang="en-US" smtClean="0"/>
-              <a:t>2024/11/17</a:t>
+              <a:t>2024/11/22</a:t>
             </a:fld>
             <a:endParaRPr lang="zh-CN" altLang="en-US"/>
           </a:p>
@@ -4480,14 +4480,13 @@
               </a:ext>
             </a:extLst>
           </a:blip>
-          <a:stretch>
-            <a:fillRect/>
-          </a:stretch>
+          <a:srcRect/>
+          <a:stretch/>
         </p:blipFill>
         <p:spPr>
           <a:xfrm>
             <a:off x="6379817" y="365125"/>
-            <a:ext cx="5415722" cy="5547013"/>
+            <a:ext cx="5415722" cy="5547012"/>
           </a:xfrm>
           <a:prstGeom prst="rect">
             <a:avLst/>
